--- a/Clustering Results Word Doc/WT1_150_Norm_Analysis_K4.pptx
+++ b/Clustering Results Word Doc/WT1_150_Norm_Analysis_K4.pptx
@@ -12,6 +12,7 @@
     <p:sldId id="260" r:id="rId6"/>
     <p:sldId id="261" r:id="rId7"/>
     <p:sldId id="262" r:id="rId8"/>
+    <p:sldId id="263" r:id="rId9"/>
   </p:sldIdLst>
   <p:sldSz cx="9144000" cy="6858000" type="screen4x3"/>
   <p:notesSz cx="6858000" cy="9144000"/>
@@ -294,7 +295,8 @@
           <a:p>
             <a:fld id="{47C36246-E83A-448D-9813-C174133ADE3F}" type="datetimeFigureOut">
               <a:rPr lang="en-US" smtClean="0"/>
-              <a:t>2/4/2015</a:t>
+              <a:pPr/>
+              <a:t>2/5/2015</a:t>
             </a:fld>
             <a:endParaRPr lang="en-US"/>
           </a:p>
@@ -336,6 +338,7 @@
           <a:p>
             <a:fld id="{656B809F-872F-40DF-93F3-D6FFFB4010C8}" type="slidenum">
               <a:rPr lang="en-US" smtClean="0"/>
+              <a:pPr/>
               <a:t>‹#›</a:t>
             </a:fld>
             <a:endParaRPr lang="en-US"/>
@@ -459,7 +462,8 @@
           <a:p>
             <a:fld id="{47C36246-E83A-448D-9813-C174133ADE3F}" type="datetimeFigureOut">
               <a:rPr lang="en-US" smtClean="0"/>
-              <a:t>2/4/2015</a:t>
+              <a:pPr/>
+              <a:t>2/5/2015</a:t>
             </a:fld>
             <a:endParaRPr lang="en-US"/>
           </a:p>
@@ -501,6 +505,7 @@
           <a:p>
             <a:fld id="{656B809F-872F-40DF-93F3-D6FFFB4010C8}" type="slidenum">
               <a:rPr lang="en-US" smtClean="0"/>
+              <a:pPr/>
               <a:t>‹#›</a:t>
             </a:fld>
             <a:endParaRPr lang="en-US"/>
@@ -634,7 +639,8 @@
           <a:p>
             <a:fld id="{47C36246-E83A-448D-9813-C174133ADE3F}" type="datetimeFigureOut">
               <a:rPr lang="en-US" smtClean="0"/>
-              <a:t>2/4/2015</a:t>
+              <a:pPr/>
+              <a:t>2/5/2015</a:t>
             </a:fld>
             <a:endParaRPr lang="en-US"/>
           </a:p>
@@ -676,6 +682,7 @@
           <a:p>
             <a:fld id="{656B809F-872F-40DF-93F3-D6FFFB4010C8}" type="slidenum">
               <a:rPr lang="en-US" smtClean="0"/>
+              <a:pPr/>
               <a:t>‹#›</a:t>
             </a:fld>
             <a:endParaRPr lang="en-US"/>
@@ -799,7 +806,8 @@
           <a:p>
             <a:fld id="{47C36246-E83A-448D-9813-C174133ADE3F}" type="datetimeFigureOut">
               <a:rPr lang="en-US" smtClean="0"/>
-              <a:t>2/4/2015</a:t>
+              <a:pPr/>
+              <a:t>2/5/2015</a:t>
             </a:fld>
             <a:endParaRPr lang="en-US"/>
           </a:p>
@@ -841,6 +849,7 @@
           <a:p>
             <a:fld id="{656B809F-872F-40DF-93F3-D6FFFB4010C8}" type="slidenum">
               <a:rPr lang="en-US" smtClean="0"/>
+              <a:pPr/>
               <a:t>‹#›</a:t>
             </a:fld>
             <a:endParaRPr lang="en-US"/>
@@ -1040,7 +1049,8 @@
           <a:p>
             <a:fld id="{47C36246-E83A-448D-9813-C174133ADE3F}" type="datetimeFigureOut">
               <a:rPr lang="en-US" smtClean="0"/>
-              <a:t>2/4/2015</a:t>
+              <a:pPr/>
+              <a:t>2/5/2015</a:t>
             </a:fld>
             <a:endParaRPr lang="en-US"/>
           </a:p>
@@ -1082,6 +1092,7 @@
           <a:p>
             <a:fld id="{656B809F-872F-40DF-93F3-D6FFFB4010C8}" type="slidenum">
               <a:rPr lang="en-US" smtClean="0"/>
+              <a:pPr/>
               <a:t>‹#›</a:t>
             </a:fld>
             <a:endParaRPr lang="en-US"/>
@@ -1323,7 +1334,8 @@
           <a:p>
             <a:fld id="{47C36246-E83A-448D-9813-C174133ADE3F}" type="datetimeFigureOut">
               <a:rPr lang="en-US" smtClean="0"/>
-              <a:t>2/4/2015</a:t>
+              <a:pPr/>
+              <a:t>2/5/2015</a:t>
             </a:fld>
             <a:endParaRPr lang="en-US"/>
           </a:p>
@@ -1365,6 +1377,7 @@
           <a:p>
             <a:fld id="{656B809F-872F-40DF-93F3-D6FFFB4010C8}" type="slidenum">
               <a:rPr lang="en-US" smtClean="0"/>
+              <a:pPr/>
               <a:t>‹#›</a:t>
             </a:fld>
             <a:endParaRPr lang="en-US"/>
@@ -1740,7 +1753,8 @@
           <a:p>
             <a:fld id="{47C36246-E83A-448D-9813-C174133ADE3F}" type="datetimeFigureOut">
               <a:rPr lang="en-US" smtClean="0"/>
-              <a:t>2/4/2015</a:t>
+              <a:pPr/>
+              <a:t>2/5/2015</a:t>
             </a:fld>
             <a:endParaRPr lang="en-US"/>
           </a:p>
@@ -1782,6 +1796,7 @@
           <a:p>
             <a:fld id="{656B809F-872F-40DF-93F3-D6FFFB4010C8}" type="slidenum">
               <a:rPr lang="en-US" smtClean="0"/>
+              <a:pPr/>
               <a:t>‹#›</a:t>
             </a:fld>
             <a:endParaRPr lang="en-US"/>
@@ -1853,7 +1868,8 @@
           <a:p>
             <a:fld id="{47C36246-E83A-448D-9813-C174133ADE3F}" type="datetimeFigureOut">
               <a:rPr lang="en-US" smtClean="0"/>
-              <a:t>2/4/2015</a:t>
+              <a:pPr/>
+              <a:t>2/5/2015</a:t>
             </a:fld>
             <a:endParaRPr lang="en-US"/>
           </a:p>
@@ -1895,6 +1911,7 @@
           <a:p>
             <a:fld id="{656B809F-872F-40DF-93F3-D6FFFB4010C8}" type="slidenum">
               <a:rPr lang="en-US" smtClean="0"/>
+              <a:pPr/>
               <a:t>‹#›</a:t>
             </a:fld>
             <a:endParaRPr lang="en-US"/>
@@ -1943,7 +1960,8 @@
           <a:p>
             <a:fld id="{47C36246-E83A-448D-9813-C174133ADE3F}" type="datetimeFigureOut">
               <a:rPr lang="en-US" smtClean="0"/>
-              <a:t>2/4/2015</a:t>
+              <a:pPr/>
+              <a:t>2/5/2015</a:t>
             </a:fld>
             <a:endParaRPr lang="en-US"/>
           </a:p>
@@ -1985,6 +2003,7 @@
           <a:p>
             <a:fld id="{656B809F-872F-40DF-93F3-D6FFFB4010C8}" type="slidenum">
               <a:rPr lang="en-US" smtClean="0"/>
+              <a:pPr/>
               <a:t>‹#›</a:t>
             </a:fld>
             <a:endParaRPr lang="en-US"/>
@@ -2215,7 +2234,8 @@
           <a:p>
             <a:fld id="{47C36246-E83A-448D-9813-C174133ADE3F}" type="datetimeFigureOut">
               <a:rPr lang="en-US" smtClean="0"/>
-              <a:t>2/4/2015</a:t>
+              <a:pPr/>
+              <a:t>2/5/2015</a:t>
             </a:fld>
             <a:endParaRPr lang="en-US"/>
           </a:p>
@@ -2257,6 +2277,7 @@
           <a:p>
             <a:fld id="{656B809F-872F-40DF-93F3-D6FFFB4010C8}" type="slidenum">
               <a:rPr lang="en-US" smtClean="0"/>
+              <a:pPr/>
               <a:t>‹#›</a:t>
             </a:fld>
             <a:endParaRPr lang="en-US"/>
@@ -2463,7 +2484,8 @@
           <a:p>
             <a:fld id="{47C36246-E83A-448D-9813-C174133ADE3F}" type="datetimeFigureOut">
               <a:rPr lang="en-US" smtClean="0"/>
-              <a:t>2/4/2015</a:t>
+              <a:pPr/>
+              <a:t>2/5/2015</a:t>
             </a:fld>
             <a:endParaRPr lang="en-US"/>
           </a:p>
@@ -2505,6 +2527,7 @@
           <a:p>
             <a:fld id="{656B809F-872F-40DF-93F3-D6FFFB4010C8}" type="slidenum">
               <a:rPr lang="en-US" smtClean="0"/>
+              <a:pPr/>
               <a:t>‹#›</a:t>
             </a:fld>
             <a:endParaRPr lang="en-US"/>
@@ -2671,7 +2694,8 @@
           <a:p>
             <a:fld id="{47C36246-E83A-448D-9813-C174133ADE3F}" type="datetimeFigureOut">
               <a:rPr lang="en-US" smtClean="0"/>
-              <a:t>2/4/2015</a:t>
+              <a:pPr/>
+              <a:t>2/5/2015</a:t>
             </a:fld>
             <a:endParaRPr lang="en-US"/>
           </a:p>
@@ -2749,6 +2773,7 @@
           <a:p>
             <a:fld id="{656B809F-872F-40DF-93F3-D6FFFB4010C8}" type="slidenum">
               <a:rPr lang="en-US" smtClean="0"/>
+              <a:pPr/>
               <a:t>‹#›</a:t>
             </a:fld>
             <a:endParaRPr lang="en-US"/>
@@ -4725,6 +4750,64 @@
 </p:sld>
 </file>
 
+<file path=ppt/slides/slide8.xml><?xml version="1.0" encoding="utf-8"?>
+<p:sld xmlns:a="http://schemas.openxmlformats.org/drawingml/2006/main" xmlns:r="http://schemas.openxmlformats.org/officeDocument/2006/relationships" xmlns:p="http://schemas.openxmlformats.org/presentationml/2006/main">
+  <p:cSld>
+    <p:spTree>
+      <p:nvGrpSpPr>
+        <p:cNvPr id="1" name=""/>
+        <p:cNvGrpSpPr/>
+        <p:nvPr/>
+      </p:nvGrpSpPr>
+      <p:grpSpPr>
+        <a:xfrm>
+          <a:off x="0" y="0"/>
+          <a:ext cx="0" cy="0"/>
+          <a:chOff x="0" y="0"/>
+          <a:chExt cx="0" cy="0"/>
+        </a:xfrm>
+      </p:grpSpPr>
+      <p:pic>
+        <p:nvPicPr>
+          <p:cNvPr id="1026" name="Picture 2"/>
+          <p:cNvPicPr>
+            <a:picLocks noChangeAspect="1" noChangeArrowheads="1"/>
+          </p:cNvPicPr>
+          <p:nvPr/>
+        </p:nvPicPr>
+        <p:blipFill>
+          <a:blip r:embed="rId2"/>
+          <a:srcRect t="64583" r="29722" b="9375"/>
+          <a:stretch>
+            <a:fillRect/>
+          </a:stretch>
+        </p:blipFill>
+        <p:spPr bwMode="auto">
+          <a:xfrm>
+            <a:off x="0" y="304800"/>
+            <a:ext cx="9144000" cy="1905000"/>
+          </a:xfrm>
+          <a:prstGeom prst="rect">
+            <a:avLst/>
+          </a:prstGeom>
+          <a:noFill/>
+          <a:ln w="9525">
+            <a:noFill/>
+            <a:miter lim="800000"/>
+            <a:headEnd/>
+            <a:tailEnd/>
+          </a:ln>
+          <a:effectLst/>
+        </p:spPr>
+      </p:pic>
+    </p:spTree>
+  </p:cSld>
+  <p:clrMapOvr>
+    <a:masterClrMapping/>
+  </p:clrMapOvr>
+</p:sld>
+</file>
+
 <file path=ppt/theme/theme1.xml><?xml version="1.0" encoding="utf-8"?>
 <a:theme xmlns:a="http://schemas.openxmlformats.org/drawingml/2006/main" name="Office Theme">
   <a:themeElements>

--- a/Clustering Results Word Doc/WT1_150_Norm_Analysis_K4.pptx
+++ b/Clustering Results Word Doc/WT1_150_Norm_Analysis_K4.pptx
@@ -296,7 +296,7 @@
             <a:fld id="{47C36246-E83A-448D-9813-C174133ADE3F}" type="datetimeFigureOut">
               <a:rPr lang="en-US" smtClean="0"/>
               <a:pPr/>
-              <a:t>2/5/2015</a:t>
+              <a:t>2/8/2015</a:t>
             </a:fld>
             <a:endParaRPr lang="en-US"/>
           </a:p>
@@ -463,7 +463,7 @@
             <a:fld id="{47C36246-E83A-448D-9813-C174133ADE3F}" type="datetimeFigureOut">
               <a:rPr lang="en-US" smtClean="0"/>
               <a:pPr/>
-              <a:t>2/5/2015</a:t>
+              <a:t>2/8/2015</a:t>
             </a:fld>
             <a:endParaRPr lang="en-US"/>
           </a:p>
@@ -640,7 +640,7 @@
             <a:fld id="{47C36246-E83A-448D-9813-C174133ADE3F}" type="datetimeFigureOut">
               <a:rPr lang="en-US" smtClean="0"/>
               <a:pPr/>
-              <a:t>2/5/2015</a:t>
+              <a:t>2/8/2015</a:t>
             </a:fld>
             <a:endParaRPr lang="en-US"/>
           </a:p>
@@ -807,7 +807,7 @@
             <a:fld id="{47C36246-E83A-448D-9813-C174133ADE3F}" type="datetimeFigureOut">
               <a:rPr lang="en-US" smtClean="0"/>
               <a:pPr/>
-              <a:t>2/5/2015</a:t>
+              <a:t>2/8/2015</a:t>
             </a:fld>
             <a:endParaRPr lang="en-US"/>
           </a:p>
@@ -1050,7 +1050,7 @@
             <a:fld id="{47C36246-E83A-448D-9813-C174133ADE3F}" type="datetimeFigureOut">
               <a:rPr lang="en-US" smtClean="0"/>
               <a:pPr/>
-              <a:t>2/5/2015</a:t>
+              <a:t>2/8/2015</a:t>
             </a:fld>
             <a:endParaRPr lang="en-US"/>
           </a:p>
@@ -1335,7 +1335,7 @@
             <a:fld id="{47C36246-E83A-448D-9813-C174133ADE3F}" type="datetimeFigureOut">
               <a:rPr lang="en-US" smtClean="0"/>
               <a:pPr/>
-              <a:t>2/5/2015</a:t>
+              <a:t>2/8/2015</a:t>
             </a:fld>
             <a:endParaRPr lang="en-US"/>
           </a:p>
@@ -1754,7 +1754,7 @@
             <a:fld id="{47C36246-E83A-448D-9813-C174133ADE3F}" type="datetimeFigureOut">
               <a:rPr lang="en-US" smtClean="0"/>
               <a:pPr/>
-              <a:t>2/5/2015</a:t>
+              <a:t>2/8/2015</a:t>
             </a:fld>
             <a:endParaRPr lang="en-US"/>
           </a:p>
@@ -1869,7 +1869,7 @@
             <a:fld id="{47C36246-E83A-448D-9813-C174133ADE3F}" type="datetimeFigureOut">
               <a:rPr lang="en-US" smtClean="0"/>
               <a:pPr/>
-              <a:t>2/5/2015</a:t>
+              <a:t>2/8/2015</a:t>
             </a:fld>
             <a:endParaRPr lang="en-US"/>
           </a:p>
@@ -1961,7 +1961,7 @@
             <a:fld id="{47C36246-E83A-448D-9813-C174133ADE3F}" type="datetimeFigureOut">
               <a:rPr lang="en-US" smtClean="0"/>
               <a:pPr/>
-              <a:t>2/5/2015</a:t>
+              <a:t>2/8/2015</a:t>
             </a:fld>
             <a:endParaRPr lang="en-US"/>
           </a:p>
@@ -2235,7 +2235,7 @@
             <a:fld id="{47C36246-E83A-448D-9813-C174133ADE3F}" type="datetimeFigureOut">
               <a:rPr lang="en-US" smtClean="0"/>
               <a:pPr/>
-              <a:t>2/5/2015</a:t>
+              <a:t>2/8/2015</a:t>
             </a:fld>
             <a:endParaRPr lang="en-US"/>
           </a:p>
@@ -2485,7 +2485,7 @@
             <a:fld id="{47C36246-E83A-448D-9813-C174133ADE3F}" type="datetimeFigureOut">
               <a:rPr lang="en-US" smtClean="0"/>
               <a:pPr/>
-              <a:t>2/5/2015</a:t>
+              <a:t>2/8/2015</a:t>
             </a:fld>
             <a:endParaRPr lang="en-US"/>
           </a:p>
@@ -2695,7 +2695,7 @@
             <a:fld id="{47C36246-E83A-448D-9813-C174133ADE3F}" type="datetimeFigureOut">
               <a:rPr lang="en-US" smtClean="0"/>
               <a:pPr/>
-              <a:t>2/5/2015</a:t>
+              <a:t>2/8/2015</a:t>
             </a:fld>
             <a:endParaRPr lang="en-US"/>
           </a:p>
@@ -3232,15 +3232,15 @@
         </p:nvPicPr>
         <p:blipFill>
           <a:blip r:embed="rId6"/>
-          <a:srcRect l="1282" t="6688" r="50019" b="52229"/>
+          <a:srcRect l="49981" t="6688" r="2427" b="52229"/>
           <a:stretch>
             <a:fillRect/>
           </a:stretch>
         </p:blipFill>
         <p:spPr bwMode="auto">
           <a:xfrm>
-            <a:off x="457200" y="2286000"/>
-            <a:ext cx="3352800" cy="1676400"/>
+            <a:off x="457200" y="2362200"/>
+            <a:ext cx="3276600" cy="1676400"/>
           </a:xfrm>
           <a:prstGeom prst="rect">
             <a:avLst/>
@@ -3718,15 +3718,15 @@
         </p:nvPicPr>
         <p:blipFill>
           <a:blip r:embed="rId6"/>
-          <a:srcRect l="1282" t="6688" r="51300" b="49947"/>
+          <a:srcRect l="50807" t="51938" r="1775" b="6582"/>
           <a:stretch>
             <a:fillRect/>
           </a:stretch>
         </p:blipFill>
         <p:spPr bwMode="auto">
           <a:xfrm>
-            <a:off x="381000" y="2438400"/>
-            <a:ext cx="3429000" cy="1752600"/>
+            <a:off x="381000" y="2209800"/>
+            <a:ext cx="3429000" cy="1676400"/>
           </a:xfrm>
           <a:prstGeom prst="rect">
             <a:avLst/>
@@ -4767,9 +4767,239 @@
           <a:chExt cx="0" cy="0"/>
         </a:xfrm>
       </p:grpSpPr>
+      <p:sp>
+        <p:nvSpPr>
+          <p:cNvPr id="3" name="TextBox 2"/>
+          <p:cNvSpPr txBox="1"/>
+          <p:nvPr/>
+        </p:nvSpPr>
+        <p:spPr>
+          <a:xfrm>
+            <a:off x="391642" y="164068"/>
+            <a:ext cx="8676158" cy="369332"/>
+          </a:xfrm>
+          <a:prstGeom prst="rect">
+            <a:avLst/>
+          </a:prstGeom>
+          <a:solidFill>
+            <a:schemeClr val="tx1"/>
+          </a:solidFill>
+        </p:spPr>
+        <p:txBody>
+          <a:bodyPr wrap="none" rtlCol="0">
+            <a:spAutoFit/>
+          </a:bodyPr>
+          <a:lstStyle/>
+          <a:p>
+            <a:r>
+              <a:rPr lang="en-US" dirty="0" err="1" smtClean="0">
+                <a:solidFill>
+                  <a:schemeClr val="bg1"/>
+                </a:solidFill>
+              </a:rPr>
+              <a:t>Subcap</a:t>
+            </a:r>
+            <a:r>
+              <a:rPr lang="en-US" dirty="0" smtClean="0">
+                <a:solidFill>
+                  <a:schemeClr val="bg1"/>
+                </a:solidFill>
+              </a:rPr>
+              <a:t>       M       Outer    Cortex   </a:t>
+            </a:r>
+            <a:r>
+              <a:rPr lang="en-US" dirty="0" err="1" smtClean="0">
+                <a:solidFill>
+                  <a:schemeClr val="bg1"/>
+                </a:solidFill>
+              </a:rPr>
+              <a:t>Subcap</a:t>
+            </a:r>
+            <a:r>
+              <a:rPr lang="en-US" dirty="0" smtClean="0">
+                <a:solidFill>
+                  <a:schemeClr val="bg1"/>
+                </a:solidFill>
+              </a:rPr>
+              <a:t>   Outer       M        Cortex </a:t>
+            </a:r>
+            <a:r>
+              <a:rPr lang="en-US" dirty="0" err="1" smtClean="0">
+                <a:solidFill>
+                  <a:schemeClr val="bg1"/>
+                </a:solidFill>
+              </a:rPr>
+              <a:t>Subcap</a:t>
+            </a:r>
+            <a:r>
+              <a:rPr lang="en-US" dirty="0" smtClean="0">
+                <a:solidFill>
+                  <a:schemeClr val="bg1"/>
+                </a:solidFill>
+              </a:rPr>
+              <a:t>     M         Outer</a:t>
+            </a:r>
+            <a:endParaRPr lang="en-US" dirty="0">
+              <a:solidFill>
+                <a:schemeClr val="bg1"/>
+              </a:solidFill>
+            </a:endParaRPr>
+          </a:p>
+        </p:txBody>
+      </p:sp>
+      <p:sp>
+        <p:nvSpPr>
+          <p:cNvPr id="4" name="TextBox 3"/>
+          <p:cNvSpPr txBox="1"/>
+          <p:nvPr/>
+        </p:nvSpPr>
+        <p:spPr>
+          <a:xfrm>
+            <a:off x="-491469" y="577096"/>
+            <a:ext cx="567669" cy="1615827"/>
+          </a:xfrm>
+          <a:prstGeom prst="rect">
+            <a:avLst/>
+          </a:prstGeom>
+          <a:solidFill>
+            <a:schemeClr val="tx1"/>
+          </a:solidFill>
+        </p:spPr>
+        <p:txBody>
+          <a:bodyPr wrap="square" rtlCol="0">
+            <a:spAutoFit/>
+          </a:bodyPr>
+          <a:lstStyle/>
+          <a:p>
+            <a:r>
+              <a:rPr lang="en-US" sz="900" dirty="0" smtClean="0">
+                <a:solidFill>
+                  <a:schemeClr val="bg1"/>
+                </a:solidFill>
+              </a:rPr>
+              <a:t>M </a:t>
+            </a:r>
+          </a:p>
+          <a:p>
+            <a:r>
+              <a:rPr lang="en-US" sz="900" dirty="0" smtClean="0">
+                <a:solidFill>
+                  <a:schemeClr val="bg1"/>
+                </a:solidFill>
+              </a:rPr>
+              <a:t>Outer </a:t>
+            </a:r>
+          </a:p>
+          <a:p>
+            <a:r>
+              <a:rPr lang="en-US" sz="900" dirty="0" smtClean="0">
+                <a:solidFill>
+                  <a:schemeClr val="bg1"/>
+                </a:solidFill>
+              </a:rPr>
+              <a:t>Cortex</a:t>
+            </a:r>
+          </a:p>
+          <a:p>
+            <a:r>
+              <a:rPr lang="en-US" sz="900" dirty="0" err="1" smtClean="0">
+                <a:solidFill>
+                  <a:schemeClr val="bg1"/>
+                </a:solidFill>
+              </a:rPr>
+              <a:t>Subcap</a:t>
+            </a:r>
+            <a:endParaRPr lang="en-US" sz="900" dirty="0" smtClean="0">
+              <a:solidFill>
+                <a:schemeClr val="bg1"/>
+              </a:solidFill>
+            </a:endParaRPr>
+          </a:p>
+          <a:p>
+            <a:r>
+              <a:rPr lang="en-US" sz="900" dirty="0" smtClean="0">
+                <a:solidFill>
+                  <a:schemeClr val="bg1"/>
+                </a:solidFill>
+              </a:rPr>
+              <a:t>Outer </a:t>
+            </a:r>
+          </a:p>
+          <a:p>
+            <a:r>
+              <a:rPr lang="en-US" sz="900" dirty="0" smtClean="0">
+                <a:solidFill>
+                  <a:schemeClr val="bg1"/>
+                </a:solidFill>
+              </a:rPr>
+              <a:t>M </a:t>
+            </a:r>
+          </a:p>
+          <a:p>
+            <a:r>
+              <a:rPr lang="en-US" sz="900" dirty="0" smtClean="0">
+                <a:solidFill>
+                  <a:schemeClr val="bg1"/>
+                </a:solidFill>
+              </a:rPr>
+              <a:t>Cortex</a:t>
+            </a:r>
+          </a:p>
+          <a:p>
+            <a:r>
+              <a:rPr lang="en-US" sz="900" dirty="0" err="1" smtClean="0">
+                <a:solidFill>
+                  <a:schemeClr val="bg1"/>
+                </a:solidFill>
+              </a:rPr>
+              <a:t>Subcap</a:t>
+            </a:r>
+            <a:endParaRPr lang="en-US" sz="900" dirty="0" smtClean="0">
+              <a:solidFill>
+                <a:schemeClr val="bg1"/>
+              </a:solidFill>
+            </a:endParaRPr>
+          </a:p>
+          <a:p>
+            <a:r>
+              <a:rPr lang="en-US" sz="900" dirty="0" smtClean="0">
+                <a:solidFill>
+                  <a:schemeClr val="bg1"/>
+                </a:solidFill>
+              </a:rPr>
+              <a:t>M</a:t>
+            </a:r>
+          </a:p>
+          <a:p>
+            <a:r>
+              <a:rPr lang="en-US" sz="900" dirty="0" smtClean="0">
+                <a:solidFill>
+                  <a:schemeClr val="bg1"/>
+                </a:solidFill>
+              </a:rPr>
+              <a:t>Outer </a:t>
+            </a:r>
+          </a:p>
+          <a:p>
+            <a:r>
+              <a:rPr lang="en-US" sz="900" dirty="0" smtClean="0">
+                <a:solidFill>
+                  <a:schemeClr val="bg1"/>
+                </a:solidFill>
+              </a:rPr>
+              <a:t>Cortex</a:t>
+            </a:r>
+            <a:endParaRPr lang="en-US" sz="900" dirty="0">
+              <a:solidFill>
+                <a:schemeClr val="bg1"/>
+              </a:solidFill>
+            </a:endParaRPr>
+          </a:p>
+        </p:txBody>
+      </p:sp>
       <p:pic>
         <p:nvPicPr>
-          <p:cNvPr id="1026" name="Picture 2"/>
+          <p:cNvPr id="2" name="Picture 2"/>
           <p:cNvPicPr>
             <a:picLocks noChangeAspect="1" noChangeArrowheads="1"/>
           </p:cNvPicPr>
@@ -4777,15 +5007,15 @@
         </p:nvPicPr>
         <p:blipFill>
           <a:blip r:embed="rId2"/>
-          <a:srcRect t="64583" r="29722" b="9375"/>
+          <a:srcRect l="955" t="4912" b="5094"/>
           <a:stretch>
             <a:fillRect/>
           </a:stretch>
         </p:blipFill>
         <p:spPr bwMode="auto">
           <a:xfrm>
-            <a:off x="0" y="304800"/>
-            <a:ext cx="9144000" cy="1905000"/>
+            <a:off x="162105" y="1981200"/>
+            <a:ext cx="8905695" cy="4549415"/>
           </a:xfrm>
           <a:prstGeom prst="rect">
             <a:avLst/>
@@ -4800,6 +5030,77 @@
           <a:effectLst/>
         </p:spPr>
       </p:pic>
+      <p:pic>
+        <p:nvPicPr>
+          <p:cNvPr id="1027" name="Picture 3"/>
+          <p:cNvPicPr>
+            <a:picLocks noChangeAspect="1" noChangeArrowheads="1"/>
+          </p:cNvPicPr>
+          <p:nvPr/>
+        </p:nvPicPr>
+        <p:blipFill>
+          <a:blip r:embed="rId3"/>
+          <a:srcRect l="805" t="65625" r="25403" b="8333"/>
+          <a:stretch>
+            <a:fillRect/>
+          </a:stretch>
+        </p:blipFill>
+        <p:spPr bwMode="auto">
+          <a:xfrm>
+            <a:off x="152400" y="457200"/>
+            <a:ext cx="8833106" cy="1752600"/>
+          </a:xfrm>
+          <a:prstGeom prst="rect">
+            <a:avLst/>
+          </a:prstGeom>
+          <a:noFill/>
+          <a:ln w="9525">
+            <a:noFill/>
+            <a:miter lim="800000"/>
+            <a:headEnd/>
+            <a:tailEnd/>
+          </a:ln>
+          <a:effectLst/>
+        </p:spPr>
+      </p:pic>
+      <p:sp>
+        <p:nvSpPr>
+          <p:cNvPr id="6" name="TextBox 5"/>
+          <p:cNvSpPr txBox="1"/>
+          <p:nvPr/>
+        </p:nvSpPr>
+        <p:spPr>
+          <a:xfrm>
+            <a:off x="609600" y="6019800"/>
+            <a:ext cx="8771953" cy="307777"/>
+          </a:xfrm>
+          <a:prstGeom prst="rect">
+            <a:avLst/>
+          </a:prstGeom>
+          <a:noFill/>
+        </p:spPr>
+        <p:txBody>
+          <a:bodyPr wrap="none" rtlCol="0">
+            <a:spAutoFit/>
+          </a:bodyPr>
+          <a:lstStyle/>
+          <a:p>
+            <a:r>
+              <a:rPr lang="en-US" sz="1400" dirty="0" smtClean="0"/>
+              <a:t>S2Outer  S1Outer  S3Outer    S2M   S1M        S3M            S1Subcap   </a:t>
+            </a:r>
+            <a:r>
+              <a:rPr lang="en-US" sz="1400" smtClean="0"/>
+              <a:t>S2Subcap  S3Subcap  </a:t>
+            </a:r>
+            <a:r>
+              <a:rPr lang="en-US" sz="1400" dirty="0" smtClean="0"/>
+              <a:t>S1Cortex  S2Cortex  S3Cortex</a:t>
+            </a:r>
+            <a:endParaRPr lang="en-US" sz="1400" dirty="0"/>
+          </a:p>
+        </p:txBody>
+      </p:sp>
     </p:spTree>
   </p:cSld>
   <p:clrMapOvr>

--- a/Clustering Results Word Doc/WT1_150_Norm_Analysis_K4.pptx
+++ b/Clustering Results Word Doc/WT1_150_Norm_Analysis_K4.pptx
@@ -296,7 +296,7 @@
             <a:fld id="{47C36246-E83A-448D-9813-C174133ADE3F}" type="datetimeFigureOut">
               <a:rPr lang="en-US" smtClean="0"/>
               <a:pPr/>
-              <a:t>2/8/2015</a:t>
+              <a:t>2/10/2015</a:t>
             </a:fld>
             <a:endParaRPr lang="en-US"/>
           </a:p>
@@ -463,7 +463,7 @@
             <a:fld id="{47C36246-E83A-448D-9813-C174133ADE3F}" type="datetimeFigureOut">
               <a:rPr lang="en-US" smtClean="0"/>
               <a:pPr/>
-              <a:t>2/8/2015</a:t>
+              <a:t>2/10/2015</a:t>
             </a:fld>
             <a:endParaRPr lang="en-US"/>
           </a:p>
@@ -640,7 +640,7 @@
             <a:fld id="{47C36246-E83A-448D-9813-C174133ADE3F}" type="datetimeFigureOut">
               <a:rPr lang="en-US" smtClean="0"/>
               <a:pPr/>
-              <a:t>2/8/2015</a:t>
+              <a:t>2/10/2015</a:t>
             </a:fld>
             <a:endParaRPr lang="en-US"/>
           </a:p>
@@ -807,7 +807,7 @@
             <a:fld id="{47C36246-E83A-448D-9813-C174133ADE3F}" type="datetimeFigureOut">
               <a:rPr lang="en-US" smtClean="0"/>
               <a:pPr/>
-              <a:t>2/8/2015</a:t>
+              <a:t>2/10/2015</a:t>
             </a:fld>
             <a:endParaRPr lang="en-US"/>
           </a:p>
@@ -1050,7 +1050,7 @@
             <a:fld id="{47C36246-E83A-448D-9813-C174133ADE3F}" type="datetimeFigureOut">
               <a:rPr lang="en-US" smtClean="0"/>
               <a:pPr/>
-              <a:t>2/8/2015</a:t>
+              <a:t>2/10/2015</a:t>
             </a:fld>
             <a:endParaRPr lang="en-US"/>
           </a:p>
@@ -1335,7 +1335,7 @@
             <a:fld id="{47C36246-E83A-448D-9813-C174133ADE3F}" type="datetimeFigureOut">
               <a:rPr lang="en-US" smtClean="0"/>
               <a:pPr/>
-              <a:t>2/8/2015</a:t>
+              <a:t>2/10/2015</a:t>
             </a:fld>
             <a:endParaRPr lang="en-US"/>
           </a:p>
@@ -1754,7 +1754,7 @@
             <a:fld id="{47C36246-E83A-448D-9813-C174133ADE3F}" type="datetimeFigureOut">
               <a:rPr lang="en-US" smtClean="0"/>
               <a:pPr/>
-              <a:t>2/8/2015</a:t>
+              <a:t>2/10/2015</a:t>
             </a:fld>
             <a:endParaRPr lang="en-US"/>
           </a:p>
@@ -1869,7 +1869,7 @@
             <a:fld id="{47C36246-E83A-448D-9813-C174133ADE3F}" type="datetimeFigureOut">
               <a:rPr lang="en-US" smtClean="0"/>
               <a:pPr/>
-              <a:t>2/8/2015</a:t>
+              <a:t>2/10/2015</a:t>
             </a:fld>
             <a:endParaRPr lang="en-US"/>
           </a:p>
@@ -1961,7 +1961,7 @@
             <a:fld id="{47C36246-E83A-448D-9813-C174133ADE3F}" type="datetimeFigureOut">
               <a:rPr lang="en-US" smtClean="0"/>
               <a:pPr/>
-              <a:t>2/8/2015</a:t>
+              <a:t>2/10/2015</a:t>
             </a:fld>
             <a:endParaRPr lang="en-US"/>
           </a:p>
@@ -2235,7 +2235,7 @@
             <a:fld id="{47C36246-E83A-448D-9813-C174133ADE3F}" type="datetimeFigureOut">
               <a:rPr lang="en-US" smtClean="0"/>
               <a:pPr/>
-              <a:t>2/8/2015</a:t>
+              <a:t>2/10/2015</a:t>
             </a:fld>
             <a:endParaRPr lang="en-US"/>
           </a:p>
@@ -2485,7 +2485,7 @@
             <a:fld id="{47C36246-E83A-448D-9813-C174133ADE3F}" type="datetimeFigureOut">
               <a:rPr lang="en-US" smtClean="0"/>
               <a:pPr/>
-              <a:t>2/8/2015</a:t>
+              <a:t>2/10/2015</a:t>
             </a:fld>
             <a:endParaRPr lang="en-US"/>
           </a:p>
@@ -2695,7 +2695,7 @@
             <a:fld id="{47C36246-E83A-448D-9813-C174133ADE3F}" type="datetimeFigureOut">
               <a:rPr lang="en-US" smtClean="0"/>
               <a:pPr/>
-              <a:t>2/8/2015</a:t>
+              <a:t>2/10/2015</a:t>
             </a:fld>
             <a:endParaRPr lang="en-US"/>
           </a:p>
@@ -4855,7 +4855,7 @@
         </p:nvSpPr>
         <p:spPr>
           <a:xfrm>
-            <a:off x="-491469" y="577096"/>
+            <a:off x="-415269" y="577096"/>
             <a:ext cx="567669" cy="1615827"/>
           </a:xfrm>
           <a:prstGeom prst="rect">

--- a/Clustering Results Word Doc/WT1_150_Norm_Analysis_K4.pptx
+++ b/Clustering Results Word Doc/WT1_150_Norm_Analysis_K4.pptx
@@ -296,7 +296,7 @@
             <a:fld id="{47C36246-E83A-448D-9813-C174133ADE3F}" type="datetimeFigureOut">
               <a:rPr lang="en-US" smtClean="0"/>
               <a:pPr/>
-              <a:t>2/10/2015</a:t>
+              <a:t>3/10/2015</a:t>
             </a:fld>
             <a:endParaRPr lang="en-US"/>
           </a:p>
@@ -463,7 +463,7 @@
             <a:fld id="{47C36246-E83A-448D-9813-C174133ADE3F}" type="datetimeFigureOut">
               <a:rPr lang="en-US" smtClean="0"/>
               <a:pPr/>
-              <a:t>2/10/2015</a:t>
+              <a:t>3/10/2015</a:t>
             </a:fld>
             <a:endParaRPr lang="en-US"/>
           </a:p>
@@ -640,7 +640,7 @@
             <a:fld id="{47C36246-E83A-448D-9813-C174133ADE3F}" type="datetimeFigureOut">
               <a:rPr lang="en-US" smtClean="0"/>
               <a:pPr/>
-              <a:t>2/10/2015</a:t>
+              <a:t>3/10/2015</a:t>
             </a:fld>
             <a:endParaRPr lang="en-US"/>
           </a:p>
@@ -807,7 +807,7 @@
             <a:fld id="{47C36246-E83A-448D-9813-C174133ADE3F}" type="datetimeFigureOut">
               <a:rPr lang="en-US" smtClean="0"/>
               <a:pPr/>
-              <a:t>2/10/2015</a:t>
+              <a:t>3/10/2015</a:t>
             </a:fld>
             <a:endParaRPr lang="en-US"/>
           </a:p>
@@ -1050,7 +1050,7 @@
             <a:fld id="{47C36246-E83A-448D-9813-C174133ADE3F}" type="datetimeFigureOut">
               <a:rPr lang="en-US" smtClean="0"/>
               <a:pPr/>
-              <a:t>2/10/2015</a:t>
+              <a:t>3/10/2015</a:t>
             </a:fld>
             <a:endParaRPr lang="en-US"/>
           </a:p>
@@ -1335,7 +1335,7 @@
             <a:fld id="{47C36246-E83A-448D-9813-C174133ADE3F}" type="datetimeFigureOut">
               <a:rPr lang="en-US" smtClean="0"/>
               <a:pPr/>
-              <a:t>2/10/2015</a:t>
+              <a:t>3/10/2015</a:t>
             </a:fld>
             <a:endParaRPr lang="en-US"/>
           </a:p>
@@ -1754,7 +1754,7 @@
             <a:fld id="{47C36246-E83A-448D-9813-C174133ADE3F}" type="datetimeFigureOut">
               <a:rPr lang="en-US" smtClean="0"/>
               <a:pPr/>
-              <a:t>2/10/2015</a:t>
+              <a:t>3/10/2015</a:t>
             </a:fld>
             <a:endParaRPr lang="en-US"/>
           </a:p>
@@ -1869,7 +1869,7 @@
             <a:fld id="{47C36246-E83A-448D-9813-C174133ADE3F}" type="datetimeFigureOut">
               <a:rPr lang="en-US" smtClean="0"/>
               <a:pPr/>
-              <a:t>2/10/2015</a:t>
+              <a:t>3/10/2015</a:t>
             </a:fld>
             <a:endParaRPr lang="en-US"/>
           </a:p>
@@ -1961,7 +1961,7 @@
             <a:fld id="{47C36246-E83A-448D-9813-C174133ADE3F}" type="datetimeFigureOut">
               <a:rPr lang="en-US" smtClean="0"/>
               <a:pPr/>
-              <a:t>2/10/2015</a:t>
+              <a:t>3/10/2015</a:t>
             </a:fld>
             <a:endParaRPr lang="en-US"/>
           </a:p>
@@ -2235,7 +2235,7 @@
             <a:fld id="{47C36246-E83A-448D-9813-C174133ADE3F}" type="datetimeFigureOut">
               <a:rPr lang="en-US" smtClean="0"/>
               <a:pPr/>
-              <a:t>2/10/2015</a:t>
+              <a:t>3/10/2015</a:t>
             </a:fld>
             <a:endParaRPr lang="en-US"/>
           </a:p>
@@ -2485,7 +2485,7 @@
             <a:fld id="{47C36246-E83A-448D-9813-C174133ADE3F}" type="datetimeFigureOut">
               <a:rPr lang="en-US" smtClean="0"/>
               <a:pPr/>
-              <a:t>2/10/2015</a:t>
+              <a:t>3/10/2015</a:t>
             </a:fld>
             <a:endParaRPr lang="en-US"/>
           </a:p>
@@ -2695,7 +2695,7 @@
             <a:fld id="{47C36246-E83A-448D-9813-C174133ADE3F}" type="datetimeFigureOut">
               <a:rPr lang="en-US" smtClean="0"/>
               <a:pPr/>
-              <a:t>2/10/2015</a:t>
+              <a:t>3/10/2015</a:t>
             </a:fld>
             <a:endParaRPr lang="en-US"/>
           </a:p>
@@ -3156,44 +3156,6 @@
           </a:ln>
         </p:spPr>
       </p:pic>
-      <p:sp>
-        <p:nvSpPr>
-          <p:cNvPr id="7" name="TextBox 6"/>
-          <p:cNvSpPr txBox="1"/>
-          <p:nvPr/>
-        </p:nvSpPr>
-        <p:spPr>
-          <a:xfrm>
-            <a:off x="-304800" y="0"/>
-            <a:ext cx="9144000" cy="400110"/>
-          </a:xfrm>
-          <a:prstGeom prst="rect">
-            <a:avLst/>
-          </a:prstGeom>
-          <a:noFill/>
-        </p:spPr>
-        <p:txBody>
-          <a:bodyPr wrap="square" rtlCol="0">
-            <a:spAutoFit/>
-          </a:bodyPr>
-          <a:lstStyle/>
-          <a:p>
-            <a:r>
-              <a:rPr lang="en-US" sz="2000" dirty="0" smtClean="0"/>
-              <a:t>       CD11c  CD25  CD31  CD205  Claud5  Claud34  Foxp3  K5  K14  </a:t>
-            </a:r>
-            <a:r>
-              <a:rPr lang="en-US" sz="2000" dirty="0" err="1" smtClean="0"/>
-              <a:t>PDGFRb</a:t>
-            </a:r>
-            <a:r>
-              <a:rPr lang="en-US" sz="2000" dirty="0" smtClean="0"/>
-              <a:t>  UEA1</a:t>
-            </a:r>
-            <a:endParaRPr lang="en-US" sz="2000" dirty="0"/>
-          </a:p>
-        </p:txBody>
-      </p:sp>
       <p:pic>
         <p:nvPicPr>
           <p:cNvPr id="8" name="Picture 7"/>
@@ -3284,6 +3246,52 @@
           </a:ln>
         </p:spPr>
       </p:pic>
+      <p:sp>
+        <p:nvSpPr>
+          <p:cNvPr id="12" name="TextBox 11"/>
+          <p:cNvSpPr txBox="1"/>
+          <p:nvPr/>
+        </p:nvSpPr>
+        <p:spPr>
+          <a:xfrm>
+            <a:off x="0" y="6412468"/>
+            <a:ext cx="8979831" cy="369332"/>
+          </a:xfrm>
+          <a:prstGeom prst="rect">
+            <a:avLst/>
+          </a:prstGeom>
+          <a:noFill/>
+        </p:spPr>
+        <p:txBody>
+          <a:bodyPr wrap="none" rtlCol="0">
+            <a:spAutoFit/>
+          </a:bodyPr>
+          <a:lstStyle/>
+          <a:p>
+            <a:r>
+              <a:rPr lang="en-US" dirty="0" smtClean="0"/>
+              <a:t>CD11c     CD205     </a:t>
+            </a:r>
+            <a:r>
+              <a:rPr lang="en-US" dirty="0" smtClean="0"/>
+              <a:t>CD25     CD31      </a:t>
+            </a:r>
+            <a:r>
+              <a:rPr lang="en-US" dirty="0" smtClean="0"/>
+              <a:t>Claud34    Claud5     Foxp3     K14      K5      </a:t>
+            </a:r>
+            <a:r>
+              <a:rPr lang="en-US" dirty="0" err="1" smtClean="0"/>
+              <a:t>PDGFRb</a:t>
+            </a:r>
+            <a:r>
+              <a:rPr lang="en-US" dirty="0" smtClean="0"/>
+              <a:t>      UEA1</a:t>
+            </a:r>
+            <a:endParaRPr lang="en-US" dirty="0"/>
+          </a:p>
+        </p:txBody>
+      </p:sp>
     </p:spTree>
   </p:cSld>
   <p:clrMapOvr>
@@ -3399,44 +3407,6 @@
           </a:ln>
         </p:spPr>
       </p:pic>
-      <p:sp>
-        <p:nvSpPr>
-          <p:cNvPr id="7" name="TextBox 6"/>
-          <p:cNvSpPr txBox="1"/>
-          <p:nvPr/>
-        </p:nvSpPr>
-        <p:spPr>
-          <a:xfrm>
-            <a:off x="-304800" y="0"/>
-            <a:ext cx="9144000" cy="400110"/>
-          </a:xfrm>
-          <a:prstGeom prst="rect">
-            <a:avLst/>
-          </a:prstGeom>
-          <a:noFill/>
-        </p:spPr>
-        <p:txBody>
-          <a:bodyPr wrap="square" rtlCol="0">
-            <a:spAutoFit/>
-          </a:bodyPr>
-          <a:lstStyle/>
-          <a:p>
-            <a:r>
-              <a:rPr lang="en-US" sz="2000" dirty="0" smtClean="0"/>
-              <a:t>       CD11c  CD25  CD31  CD205  Claud5  Claud34  Foxp3  K5  K14  </a:t>
-            </a:r>
-            <a:r>
-              <a:rPr lang="en-US" sz="2000" dirty="0" err="1" smtClean="0"/>
-              <a:t>PDGFRb</a:t>
-            </a:r>
-            <a:r>
-              <a:rPr lang="en-US" sz="2000" dirty="0" smtClean="0"/>
-              <a:t>  UEA1</a:t>
-            </a:r>
-            <a:endParaRPr lang="en-US" sz="2000" dirty="0"/>
-          </a:p>
-        </p:txBody>
-      </p:sp>
       <p:pic>
         <p:nvPicPr>
           <p:cNvPr id="8" name="Picture 7"/>
@@ -3527,6 +3497,52 @@
           </a:ln>
         </p:spPr>
       </p:pic>
+      <p:sp>
+        <p:nvSpPr>
+          <p:cNvPr id="12" name="TextBox 11"/>
+          <p:cNvSpPr txBox="1"/>
+          <p:nvPr/>
+        </p:nvSpPr>
+        <p:spPr>
+          <a:xfrm>
+            <a:off x="0" y="6412468"/>
+            <a:ext cx="8979831" cy="369332"/>
+          </a:xfrm>
+          <a:prstGeom prst="rect">
+            <a:avLst/>
+          </a:prstGeom>
+          <a:noFill/>
+        </p:spPr>
+        <p:txBody>
+          <a:bodyPr wrap="none" rtlCol="0">
+            <a:spAutoFit/>
+          </a:bodyPr>
+          <a:lstStyle/>
+          <a:p>
+            <a:r>
+              <a:rPr lang="en-US" dirty="0" smtClean="0"/>
+              <a:t>CD11c     CD205     </a:t>
+            </a:r>
+            <a:r>
+              <a:rPr lang="en-US" dirty="0" smtClean="0"/>
+              <a:t>CD25     CD31      </a:t>
+            </a:r>
+            <a:r>
+              <a:rPr lang="en-US" dirty="0" smtClean="0"/>
+              <a:t>Claud34    Claud5     Foxp3     K14      K5      </a:t>
+            </a:r>
+            <a:r>
+              <a:rPr lang="en-US" dirty="0" err="1" smtClean="0"/>
+              <a:t>PDGFRb</a:t>
+            </a:r>
+            <a:r>
+              <a:rPr lang="en-US" dirty="0" smtClean="0"/>
+              <a:t>      UEA1</a:t>
+            </a:r>
+            <a:endParaRPr lang="en-US" dirty="0"/>
+          </a:p>
+        </p:txBody>
+      </p:sp>
     </p:spTree>
   </p:cSld>
   <p:clrMapOvr>
@@ -3642,44 +3658,6 @@
           </a:ln>
         </p:spPr>
       </p:pic>
-      <p:sp>
-        <p:nvSpPr>
-          <p:cNvPr id="7" name="TextBox 6"/>
-          <p:cNvSpPr txBox="1"/>
-          <p:nvPr/>
-        </p:nvSpPr>
-        <p:spPr>
-          <a:xfrm>
-            <a:off x="-304800" y="0"/>
-            <a:ext cx="9144000" cy="400110"/>
-          </a:xfrm>
-          <a:prstGeom prst="rect">
-            <a:avLst/>
-          </a:prstGeom>
-          <a:noFill/>
-        </p:spPr>
-        <p:txBody>
-          <a:bodyPr wrap="square" rtlCol="0">
-            <a:spAutoFit/>
-          </a:bodyPr>
-          <a:lstStyle/>
-          <a:p>
-            <a:r>
-              <a:rPr lang="en-US" sz="2000" dirty="0" smtClean="0"/>
-              <a:t>       CD11c  CD25  CD31  CD205  Claud5  Claud34  Foxp3  K5  K14  </a:t>
-            </a:r>
-            <a:r>
-              <a:rPr lang="en-US" sz="2000" dirty="0" err="1" smtClean="0"/>
-              <a:t>PDGFRb</a:t>
-            </a:r>
-            <a:r>
-              <a:rPr lang="en-US" sz="2000" dirty="0" smtClean="0"/>
-              <a:t>  UEA1</a:t>
-            </a:r>
-            <a:endParaRPr lang="en-US" sz="2000" dirty="0"/>
-          </a:p>
-        </p:txBody>
-      </p:sp>
       <p:pic>
         <p:nvPicPr>
           <p:cNvPr id="8" name="Picture 7"/>
@@ -3770,6 +3748,52 @@
           </a:ln>
         </p:spPr>
       </p:pic>
+      <p:sp>
+        <p:nvSpPr>
+          <p:cNvPr id="12" name="TextBox 11"/>
+          <p:cNvSpPr txBox="1"/>
+          <p:nvPr/>
+        </p:nvSpPr>
+        <p:spPr>
+          <a:xfrm>
+            <a:off x="0" y="6412468"/>
+            <a:ext cx="8979831" cy="369332"/>
+          </a:xfrm>
+          <a:prstGeom prst="rect">
+            <a:avLst/>
+          </a:prstGeom>
+          <a:noFill/>
+        </p:spPr>
+        <p:txBody>
+          <a:bodyPr wrap="none" rtlCol="0">
+            <a:spAutoFit/>
+          </a:bodyPr>
+          <a:lstStyle/>
+          <a:p>
+            <a:r>
+              <a:rPr lang="en-US" dirty="0" smtClean="0"/>
+              <a:t>CD11c     CD205     </a:t>
+            </a:r>
+            <a:r>
+              <a:rPr lang="en-US" dirty="0" smtClean="0"/>
+              <a:t>CD25     CD31      </a:t>
+            </a:r>
+            <a:r>
+              <a:rPr lang="en-US" dirty="0" smtClean="0"/>
+              <a:t>Claud34    Claud5     Foxp3     K14      K5      </a:t>
+            </a:r>
+            <a:r>
+              <a:rPr lang="en-US" dirty="0" err="1" smtClean="0"/>
+              <a:t>PDGFRb</a:t>
+            </a:r>
+            <a:r>
+              <a:rPr lang="en-US" dirty="0" smtClean="0"/>
+              <a:t>      UEA1</a:t>
+            </a:r>
+            <a:endParaRPr lang="en-US" dirty="0"/>
+          </a:p>
+        </p:txBody>
+      </p:sp>
     </p:spTree>
   </p:cSld>
   <p:clrMapOvr>
@@ -3885,44 +3909,6 @@
           </a:ln>
         </p:spPr>
       </p:pic>
-      <p:sp>
-        <p:nvSpPr>
-          <p:cNvPr id="7" name="TextBox 6"/>
-          <p:cNvSpPr txBox="1"/>
-          <p:nvPr/>
-        </p:nvSpPr>
-        <p:spPr>
-          <a:xfrm>
-            <a:off x="-304800" y="0"/>
-            <a:ext cx="9144000" cy="400110"/>
-          </a:xfrm>
-          <a:prstGeom prst="rect">
-            <a:avLst/>
-          </a:prstGeom>
-          <a:noFill/>
-        </p:spPr>
-        <p:txBody>
-          <a:bodyPr wrap="square" rtlCol="0">
-            <a:spAutoFit/>
-          </a:bodyPr>
-          <a:lstStyle/>
-          <a:p>
-            <a:r>
-              <a:rPr lang="en-US" sz="2000" dirty="0" smtClean="0"/>
-              <a:t>       CD11c  CD25  CD31  CD205  Claud5  Claud34  Foxp3  K5  K14  </a:t>
-            </a:r>
-            <a:r>
-              <a:rPr lang="en-US" sz="2000" dirty="0" err="1" smtClean="0"/>
-              <a:t>PDGFRb</a:t>
-            </a:r>
-            <a:r>
-              <a:rPr lang="en-US" sz="2000" dirty="0" smtClean="0"/>
-              <a:t>  UEA1</a:t>
-            </a:r>
-            <a:endParaRPr lang="en-US" sz="2000" dirty="0"/>
-          </a:p>
-        </p:txBody>
-      </p:sp>
       <p:pic>
         <p:nvPicPr>
           <p:cNvPr id="8" name="Picture 7"/>
@@ -4013,6 +3999,52 @@
           </a:ln>
         </p:spPr>
       </p:pic>
+      <p:sp>
+        <p:nvSpPr>
+          <p:cNvPr id="12" name="TextBox 11"/>
+          <p:cNvSpPr txBox="1"/>
+          <p:nvPr/>
+        </p:nvSpPr>
+        <p:spPr>
+          <a:xfrm>
+            <a:off x="0" y="6412468"/>
+            <a:ext cx="8979831" cy="369332"/>
+          </a:xfrm>
+          <a:prstGeom prst="rect">
+            <a:avLst/>
+          </a:prstGeom>
+          <a:noFill/>
+        </p:spPr>
+        <p:txBody>
+          <a:bodyPr wrap="none" rtlCol="0">
+            <a:spAutoFit/>
+          </a:bodyPr>
+          <a:lstStyle/>
+          <a:p>
+            <a:r>
+              <a:rPr lang="en-US" dirty="0" smtClean="0"/>
+              <a:t>CD11c     CD205     </a:t>
+            </a:r>
+            <a:r>
+              <a:rPr lang="en-US" dirty="0" smtClean="0"/>
+              <a:t>CD25     CD31      </a:t>
+            </a:r>
+            <a:r>
+              <a:rPr lang="en-US" dirty="0" smtClean="0"/>
+              <a:t>Claud34    Claud5     Foxp3     K14      K5      </a:t>
+            </a:r>
+            <a:r>
+              <a:rPr lang="en-US" dirty="0" err="1" smtClean="0"/>
+              <a:t>PDGFRb</a:t>
+            </a:r>
+            <a:r>
+              <a:rPr lang="en-US" dirty="0" smtClean="0"/>
+              <a:t>      UEA1</a:t>
+            </a:r>
+            <a:endParaRPr lang="en-US" dirty="0"/>
+          </a:p>
+        </p:txBody>
+      </p:sp>
     </p:spTree>
   </p:cSld>
   <p:clrMapOvr>
@@ -4128,44 +4160,6 @@
           </a:ln>
         </p:spPr>
       </p:pic>
-      <p:sp>
-        <p:nvSpPr>
-          <p:cNvPr id="5" name="TextBox 4"/>
-          <p:cNvSpPr txBox="1"/>
-          <p:nvPr/>
-        </p:nvSpPr>
-        <p:spPr>
-          <a:xfrm>
-            <a:off x="-304800" y="0"/>
-            <a:ext cx="9144000" cy="400110"/>
-          </a:xfrm>
-          <a:prstGeom prst="rect">
-            <a:avLst/>
-          </a:prstGeom>
-          <a:noFill/>
-        </p:spPr>
-        <p:txBody>
-          <a:bodyPr wrap="square" rtlCol="0">
-            <a:spAutoFit/>
-          </a:bodyPr>
-          <a:lstStyle/>
-          <a:p>
-            <a:r>
-              <a:rPr lang="en-US" sz="2000" dirty="0" smtClean="0"/>
-              <a:t>       CD11c  CD25  CD31  CD205  Claud5  Claud34  Foxp3  K5  K14  </a:t>
-            </a:r>
-            <a:r>
-              <a:rPr lang="en-US" sz="2000" dirty="0" err="1" smtClean="0"/>
-              <a:t>PDGFRb</a:t>
-            </a:r>
-            <a:r>
-              <a:rPr lang="en-US" sz="2000" dirty="0" smtClean="0"/>
-              <a:t>  UEA1</a:t>
-            </a:r>
-            <a:endParaRPr lang="en-US" sz="2000" dirty="0"/>
-          </a:p>
-        </p:txBody>
-      </p:sp>
       <p:pic>
         <p:nvPicPr>
           <p:cNvPr id="6" name="Picture 5"/>
@@ -4256,6 +4250,52 @@
           </a:ln>
         </p:spPr>
       </p:pic>
+      <p:sp>
+        <p:nvSpPr>
+          <p:cNvPr id="10" name="TextBox 9"/>
+          <p:cNvSpPr txBox="1"/>
+          <p:nvPr/>
+        </p:nvSpPr>
+        <p:spPr>
+          <a:xfrm>
+            <a:off x="0" y="6412468"/>
+            <a:ext cx="8979831" cy="369332"/>
+          </a:xfrm>
+          <a:prstGeom prst="rect">
+            <a:avLst/>
+          </a:prstGeom>
+          <a:noFill/>
+        </p:spPr>
+        <p:txBody>
+          <a:bodyPr wrap="none" rtlCol="0">
+            <a:spAutoFit/>
+          </a:bodyPr>
+          <a:lstStyle/>
+          <a:p>
+            <a:r>
+              <a:rPr lang="en-US" dirty="0" smtClean="0"/>
+              <a:t>CD11c     CD205     </a:t>
+            </a:r>
+            <a:r>
+              <a:rPr lang="en-US" dirty="0" smtClean="0"/>
+              <a:t>CD25     CD31      </a:t>
+            </a:r>
+            <a:r>
+              <a:rPr lang="en-US" dirty="0" smtClean="0"/>
+              <a:t>Claud34    Claud5     Foxp3     K14      K5      </a:t>
+            </a:r>
+            <a:r>
+              <a:rPr lang="en-US" dirty="0" err="1" smtClean="0"/>
+              <a:t>PDGFRb</a:t>
+            </a:r>
+            <a:r>
+              <a:rPr lang="en-US" dirty="0" smtClean="0"/>
+              <a:t>      UEA1</a:t>
+            </a:r>
+            <a:endParaRPr lang="en-US" dirty="0"/>
+          </a:p>
+        </p:txBody>
+      </p:sp>
     </p:spTree>
   </p:cSld>
   <p:clrMapOvr>
@@ -4371,44 +4411,6 @@
           </a:ln>
         </p:spPr>
       </p:pic>
-      <p:sp>
-        <p:nvSpPr>
-          <p:cNvPr id="5" name="TextBox 4"/>
-          <p:cNvSpPr txBox="1"/>
-          <p:nvPr/>
-        </p:nvSpPr>
-        <p:spPr>
-          <a:xfrm>
-            <a:off x="-304800" y="0"/>
-            <a:ext cx="9144000" cy="400110"/>
-          </a:xfrm>
-          <a:prstGeom prst="rect">
-            <a:avLst/>
-          </a:prstGeom>
-          <a:noFill/>
-        </p:spPr>
-        <p:txBody>
-          <a:bodyPr wrap="square" rtlCol="0">
-            <a:spAutoFit/>
-          </a:bodyPr>
-          <a:lstStyle/>
-          <a:p>
-            <a:r>
-              <a:rPr lang="en-US" sz="2000" dirty="0" smtClean="0"/>
-              <a:t>       CD11c  CD25  CD31  CD205  Claud5  Claud34  Foxp3  K5  K14  </a:t>
-            </a:r>
-            <a:r>
-              <a:rPr lang="en-US" sz="2000" dirty="0" err="1" smtClean="0"/>
-              <a:t>PDGFRb</a:t>
-            </a:r>
-            <a:r>
-              <a:rPr lang="en-US" sz="2000" dirty="0" smtClean="0"/>
-              <a:t>  UEA1</a:t>
-            </a:r>
-            <a:endParaRPr lang="en-US" sz="2000" dirty="0"/>
-          </a:p>
-        </p:txBody>
-      </p:sp>
       <p:pic>
         <p:nvPicPr>
           <p:cNvPr id="6" name="Picture 5"/>
@@ -4499,6 +4501,52 @@
           </a:ln>
         </p:spPr>
       </p:pic>
+      <p:sp>
+        <p:nvSpPr>
+          <p:cNvPr id="10" name="TextBox 9"/>
+          <p:cNvSpPr txBox="1"/>
+          <p:nvPr/>
+        </p:nvSpPr>
+        <p:spPr>
+          <a:xfrm>
+            <a:off x="0" y="6412468"/>
+            <a:ext cx="8979831" cy="369332"/>
+          </a:xfrm>
+          <a:prstGeom prst="rect">
+            <a:avLst/>
+          </a:prstGeom>
+          <a:noFill/>
+        </p:spPr>
+        <p:txBody>
+          <a:bodyPr wrap="none" rtlCol="0">
+            <a:spAutoFit/>
+          </a:bodyPr>
+          <a:lstStyle/>
+          <a:p>
+            <a:r>
+              <a:rPr lang="en-US" dirty="0" smtClean="0"/>
+              <a:t>CD11c     CD205     </a:t>
+            </a:r>
+            <a:r>
+              <a:rPr lang="en-US" dirty="0" smtClean="0"/>
+              <a:t>CD25     CD31      </a:t>
+            </a:r>
+            <a:r>
+              <a:rPr lang="en-US" dirty="0" smtClean="0"/>
+              <a:t>Claud34    Claud5     Foxp3     K14      K5      </a:t>
+            </a:r>
+            <a:r>
+              <a:rPr lang="en-US" dirty="0" err="1" smtClean="0"/>
+              <a:t>PDGFRb</a:t>
+            </a:r>
+            <a:r>
+              <a:rPr lang="en-US" dirty="0" smtClean="0"/>
+              <a:t>      UEA1</a:t>
+            </a:r>
+            <a:endParaRPr lang="en-US" dirty="0"/>
+          </a:p>
+        </p:txBody>
+      </p:sp>
     </p:spTree>
   </p:cSld>
   <p:clrMapOvr>
@@ -4614,44 +4662,6 @@
           </a:ln>
         </p:spPr>
       </p:pic>
-      <p:sp>
-        <p:nvSpPr>
-          <p:cNvPr id="5" name="TextBox 4"/>
-          <p:cNvSpPr txBox="1"/>
-          <p:nvPr/>
-        </p:nvSpPr>
-        <p:spPr>
-          <a:xfrm>
-            <a:off x="-304800" y="0"/>
-            <a:ext cx="9144000" cy="400110"/>
-          </a:xfrm>
-          <a:prstGeom prst="rect">
-            <a:avLst/>
-          </a:prstGeom>
-          <a:noFill/>
-        </p:spPr>
-        <p:txBody>
-          <a:bodyPr wrap="square" rtlCol="0">
-            <a:spAutoFit/>
-          </a:bodyPr>
-          <a:lstStyle/>
-          <a:p>
-            <a:r>
-              <a:rPr lang="en-US" sz="2000" dirty="0" smtClean="0"/>
-              <a:t>       CD11c  CD25  CD31  CD205  Claud5  Claud34  Foxp3  K5  K14  </a:t>
-            </a:r>
-            <a:r>
-              <a:rPr lang="en-US" sz="2000" dirty="0" err="1" smtClean="0"/>
-              <a:t>PDGFRb</a:t>
-            </a:r>
-            <a:r>
-              <a:rPr lang="en-US" sz="2000" dirty="0" smtClean="0"/>
-              <a:t>  UEA1</a:t>
-            </a:r>
-            <a:endParaRPr lang="en-US" sz="2000" dirty="0"/>
-          </a:p>
-        </p:txBody>
-      </p:sp>
       <p:pic>
         <p:nvPicPr>
           <p:cNvPr id="6" name="Picture 5"/>
@@ -4742,6 +4752,52 @@
           </a:ln>
         </p:spPr>
       </p:pic>
+      <p:sp>
+        <p:nvSpPr>
+          <p:cNvPr id="10" name="TextBox 9"/>
+          <p:cNvSpPr txBox="1"/>
+          <p:nvPr/>
+        </p:nvSpPr>
+        <p:spPr>
+          <a:xfrm>
+            <a:off x="0" y="6412468"/>
+            <a:ext cx="8979831" cy="369332"/>
+          </a:xfrm>
+          <a:prstGeom prst="rect">
+            <a:avLst/>
+          </a:prstGeom>
+          <a:noFill/>
+        </p:spPr>
+        <p:txBody>
+          <a:bodyPr wrap="none" rtlCol="0">
+            <a:spAutoFit/>
+          </a:bodyPr>
+          <a:lstStyle/>
+          <a:p>
+            <a:r>
+              <a:rPr lang="en-US" dirty="0" smtClean="0"/>
+              <a:t>CD11c     CD205     </a:t>
+            </a:r>
+            <a:r>
+              <a:rPr lang="en-US" dirty="0" smtClean="0"/>
+              <a:t>CD25     CD31      </a:t>
+            </a:r>
+            <a:r>
+              <a:rPr lang="en-US" dirty="0" smtClean="0"/>
+              <a:t>Claud34    Claud5     Foxp3     K14      K5      </a:t>
+            </a:r>
+            <a:r>
+              <a:rPr lang="en-US" dirty="0" err="1" smtClean="0"/>
+              <a:t>PDGFRb</a:t>
+            </a:r>
+            <a:r>
+              <a:rPr lang="en-US" dirty="0" smtClean="0"/>
+              <a:t>      UEA1</a:t>
+            </a:r>
+            <a:endParaRPr lang="en-US" dirty="0"/>
+          </a:p>
+        </p:txBody>
+      </p:sp>
     </p:spTree>
   </p:cSld>
   <p:clrMapOvr>
